--- a/database/slides/NEARER_MY_GOD.pptx
+++ b/database/slides/NEARER_MY_GOD.pptx
@@ -15823,7 +15823,13 @@
       </p:sp>
       <p:sp>
         <p:nvSpPr>
-          <p:cNvPr id="131" name="Google Shape;131;p25"/>
+          <p:cNvPr id="2" name="Google Shape;131;p25">
+            <a:extLst>
+              <a:ext uri="{FF2B5EF4-FFF2-40B4-BE49-F238E27FC236}">
+                <a16:creationId xmlns:a16="http://schemas.microsoft.com/office/drawing/2014/main" id="{659B832B-4A84-01EB-7EA0-A4855259469C}"/>
+              </a:ext>
+            </a:extLst>
+          </p:cNvPr>
           <p:cNvSpPr txBox="1"/>
           <p:nvPr/>
         </p:nvSpPr>
@@ -15846,11 +15852,19 @@
           </a:bodyPr>
           <a:lstStyle/>
           <a:p>
-            <a:pPr>
+            <a:pPr marL="0" lvl="0" indent="0" algn="l" rtl="0">
+              <a:spcBef>
+                <a:spcPts val="0"/>
+              </a:spcBef>
+              <a:spcAft>
+                <a:spcPts val="0"/>
+              </a:spcAft>
               <a:buClr>
                 <a:schemeClr val="lt1"/>
               </a:buClr>
               <a:buSzPts val="3200"/>
+              <a:buFont typeface="Arial"/>
+              <a:buNone/>
             </a:pPr>
             <a:r>
               <a:rPr lang="en-GB" sz="3600" b="1" i="1" dirty="0">
@@ -15864,7 +15878,7 @@
               </a:rPr>
               <a:t>contd..</a:t>
             </a:r>
-            <a:endParaRPr lang="en-GB" sz="3600" dirty="0">
+            <a:endParaRPr sz="3600" dirty="0">
               <a:latin typeface="Calibri"/>
               <a:ea typeface="Calibri"/>
               <a:cs typeface="Calibri"/>
